--- a/CourseMaterial/Week5/Lec1IntroEcolPopGrowth/embed-slide-1.pptx
+++ b/CourseMaterial/Week5/Lec1IntroEcolPopGrowth/embed-slide-1.pptx
@@ -104,6 +104,11 @@
       </a:defRPr>
     </a:lvl9pPr>
   </p:defaultTextStyle>
+  <p:extLst>
+    <p:ext uri="{EFAFB233-063F-42B5-8137-9DF3F51BA10A}">
+      <p15:sldGuideLst xmlns:p15="http://schemas.microsoft.com/office/powerpoint/2012/main"/>
+    </p:ext>
+  </p:extLst>
 </p:presentation>
 </file>
 
@@ -254,7 +259,7 @@
           <a:p>
             <a:fld id="{CA48698E-AC5D-254C-9E5B-7E05AED1A162}" type="datetimeFigureOut">
               <a:rPr lang="en-US" smtClean="0"/>
-              <a:t>1/31/24</a:t>
+              <a:t>2/3/25</a:t>
             </a:fld>
             <a:endParaRPr lang="en-US"/>
           </a:p>
@@ -452,7 +457,7 @@
           <a:p>
             <a:fld id="{CA48698E-AC5D-254C-9E5B-7E05AED1A162}" type="datetimeFigureOut">
               <a:rPr lang="en-US" smtClean="0"/>
-              <a:t>1/31/24</a:t>
+              <a:t>2/3/25</a:t>
             </a:fld>
             <a:endParaRPr lang="en-US"/>
           </a:p>
@@ -660,7 +665,7 @@
           <a:p>
             <a:fld id="{CA48698E-AC5D-254C-9E5B-7E05AED1A162}" type="datetimeFigureOut">
               <a:rPr lang="en-US" smtClean="0"/>
-              <a:t>1/31/24</a:t>
+              <a:t>2/3/25</a:t>
             </a:fld>
             <a:endParaRPr lang="en-US"/>
           </a:p>
@@ -858,7 +863,7 @@
           <a:p>
             <a:fld id="{CA48698E-AC5D-254C-9E5B-7E05AED1A162}" type="datetimeFigureOut">
               <a:rPr lang="en-US" smtClean="0"/>
-              <a:t>1/31/24</a:t>
+              <a:t>2/3/25</a:t>
             </a:fld>
             <a:endParaRPr lang="en-US"/>
           </a:p>
@@ -1133,7 +1138,7 @@
           <a:p>
             <a:fld id="{CA48698E-AC5D-254C-9E5B-7E05AED1A162}" type="datetimeFigureOut">
               <a:rPr lang="en-US" smtClean="0"/>
-              <a:t>1/31/24</a:t>
+              <a:t>2/3/25</a:t>
             </a:fld>
             <a:endParaRPr lang="en-US"/>
           </a:p>
@@ -1398,7 +1403,7 @@
           <a:p>
             <a:fld id="{CA48698E-AC5D-254C-9E5B-7E05AED1A162}" type="datetimeFigureOut">
               <a:rPr lang="en-US" smtClean="0"/>
-              <a:t>1/31/24</a:t>
+              <a:t>2/3/25</a:t>
             </a:fld>
             <a:endParaRPr lang="en-US"/>
           </a:p>
@@ -1810,7 +1815,7 @@
           <a:p>
             <a:fld id="{CA48698E-AC5D-254C-9E5B-7E05AED1A162}" type="datetimeFigureOut">
               <a:rPr lang="en-US" smtClean="0"/>
-              <a:t>1/31/24</a:t>
+              <a:t>2/3/25</a:t>
             </a:fld>
             <a:endParaRPr lang="en-US"/>
           </a:p>
@@ -1951,7 +1956,7 @@
           <a:p>
             <a:fld id="{CA48698E-AC5D-254C-9E5B-7E05AED1A162}" type="datetimeFigureOut">
               <a:rPr lang="en-US" smtClean="0"/>
-              <a:t>1/31/24</a:t>
+              <a:t>2/3/25</a:t>
             </a:fld>
             <a:endParaRPr lang="en-US"/>
           </a:p>
@@ -2064,7 +2069,7 @@
           <a:p>
             <a:fld id="{CA48698E-AC5D-254C-9E5B-7E05AED1A162}" type="datetimeFigureOut">
               <a:rPr lang="en-US" smtClean="0"/>
-              <a:t>1/31/24</a:t>
+              <a:t>2/3/25</a:t>
             </a:fld>
             <a:endParaRPr lang="en-US"/>
           </a:p>
@@ -2375,7 +2380,7 @@
           <a:p>
             <a:fld id="{CA48698E-AC5D-254C-9E5B-7E05AED1A162}" type="datetimeFigureOut">
               <a:rPr lang="en-US" smtClean="0"/>
-              <a:t>1/31/24</a:t>
+              <a:t>2/3/25</a:t>
             </a:fld>
             <a:endParaRPr lang="en-US"/>
           </a:p>
@@ -2663,7 +2668,7 @@
           <a:p>
             <a:fld id="{CA48698E-AC5D-254C-9E5B-7E05AED1A162}" type="datetimeFigureOut">
               <a:rPr lang="en-US" smtClean="0"/>
-              <a:t>1/31/24</a:t>
+              <a:t>2/3/25</a:t>
             </a:fld>
             <a:endParaRPr lang="en-US"/>
           </a:p>
@@ -2904,7 +2909,7 @@
           <a:p>
             <a:fld id="{CA48698E-AC5D-254C-9E5B-7E05AED1A162}" type="datetimeFigureOut">
               <a:rPr lang="en-US" smtClean="0"/>
-              <a:t>1/31/24</a:t>
+              <a:t>2/3/25</a:t>
             </a:fld>
             <a:endParaRPr lang="en-US"/>
           </a:p>
@@ -3641,8 +3646,8 @@
           </p:sp>
         </mc:Fallback>
       </mc:AlternateContent>
-      <mc:AlternateContent xmlns:mc="http://schemas.openxmlformats.org/markup-compatibility/2006">
-        <mc:Choice xmlns:a14="http://schemas.microsoft.com/office/drawing/2010/main" Requires="a14">
+      <mc:AlternateContent xmlns:mc="http://schemas.openxmlformats.org/markup-compatibility/2006" xmlns:a14="http://schemas.microsoft.com/office/drawing/2010/main">
+        <mc:Choice Requires="a14">
           <p:sp>
             <p:nvSpPr>
               <p:cNvPr id="9" name="TextBox 8">
@@ -3711,7 +3716,7 @@
             </p:txBody>
           </p:sp>
         </mc:Choice>
-        <mc:Fallback>
+        <mc:Fallback xmlns="">
           <p:sp>
             <p:nvSpPr>
               <p:cNvPr id="9" name="TextBox 8">
@@ -3854,6 +3859,312 @@
           </a:fontRef>
         </p:style>
       </p:cxnSp>
+      <p:cxnSp>
+        <p:nvCxnSpPr>
+          <p:cNvPr id="2" name="Straight Arrow Connector 1">
+            <a:extLst>
+              <a:ext uri="{FF2B5EF4-FFF2-40B4-BE49-F238E27FC236}">
+                <a16:creationId xmlns:a16="http://schemas.microsoft.com/office/drawing/2014/main" id="{BB9A4228-86A9-9236-4B7F-338236C40954}"/>
+              </a:ext>
+            </a:extLst>
+          </p:cNvPr>
+          <p:cNvCxnSpPr>
+            <a:cxnSpLocks/>
+          </p:cNvCxnSpPr>
+          <p:nvPr/>
+        </p:nvCxnSpPr>
+        <p:spPr>
+          <a:xfrm>
+            <a:off x="4491613" y="1811680"/>
+            <a:ext cx="140677" cy="162661"/>
+          </a:xfrm>
+          <a:prstGeom prst="straightConnector1">
+            <a:avLst/>
+          </a:prstGeom>
+          <a:ln>
+            <a:solidFill>
+              <a:schemeClr val="tx1"/>
+            </a:solidFill>
+            <a:tailEnd type="triangle"/>
+          </a:ln>
+        </p:spPr>
+        <p:style>
+          <a:lnRef idx="3">
+            <a:schemeClr val="dk1"/>
+          </a:lnRef>
+          <a:fillRef idx="0">
+            <a:schemeClr val="dk1"/>
+          </a:fillRef>
+          <a:effectRef idx="2">
+            <a:schemeClr val="dk1"/>
+          </a:effectRef>
+          <a:fontRef idx="minor">
+            <a:schemeClr val="tx1"/>
+          </a:fontRef>
+        </p:style>
+      </p:cxnSp>
+      <mc:AlternateContent xmlns:mc="http://schemas.openxmlformats.org/markup-compatibility/2006">
+        <mc:Choice xmlns:a14="http://schemas.microsoft.com/office/drawing/2010/main" Requires="a14">
+          <p:sp>
+            <p:nvSpPr>
+              <p:cNvPr id="3" name="Rectangle 2">
+                <a:extLst>
+                  <a:ext uri="{FF2B5EF4-FFF2-40B4-BE49-F238E27FC236}">
+                    <a16:creationId xmlns:a16="http://schemas.microsoft.com/office/drawing/2014/main" id="{9CD260A3-6AE2-63B9-3FD2-BA31A0F6ECE9}"/>
+                  </a:ext>
+                </a:extLst>
+              </p:cNvPr>
+              <p:cNvSpPr/>
+              <p:nvPr/>
+            </p:nvSpPr>
+            <p:spPr>
+              <a:xfrm>
+                <a:off x="3141597" y="1441054"/>
+                <a:ext cx="2287425" cy="400110"/>
+              </a:xfrm>
+              <a:prstGeom prst="rect">
+                <a:avLst/>
+              </a:prstGeom>
+            </p:spPr>
+            <p:txBody>
+              <a:bodyPr wrap="square">
+                <a:spAutoFit/>
+              </a:bodyPr>
+              <a:lstStyle/>
+              <a:p>
+                <a14:m>
+                  <m:oMath xmlns:m="http://schemas.openxmlformats.org/officeDocument/2006/math">
+                    <m:r>
+                      <a:rPr lang="en-US" sz="2000" b="0" i="1" smtClean="0">
+                        <a:solidFill>
+                          <a:sysClr val="windowText" lastClr="000000"/>
+                        </a:solidFill>
+                        <a:latin typeface="Cambria Math" panose="02040503050406030204" pitchFamily="18" charset="0"/>
+                      </a:rPr>
+                      <m:t>𝑓𝑟𝑜𝑔</m:t>
+                    </m:r>
+                    <m:r>
+                      <a:rPr lang="en-US" sz="2000" b="0" i="1" smtClean="0">
+                        <a:solidFill>
+                          <a:sysClr val="windowText" lastClr="000000"/>
+                        </a:solidFill>
+                        <a:latin typeface="Cambria Math" panose="02040503050406030204" pitchFamily="18" charset="0"/>
+                      </a:rPr>
+                      <m:t> </m:t>
+                    </m:r>
+                  </m:oMath>
+                </a14:m>
+                <a:r>
+                  <a:rPr lang="en-US" sz="2000" b="0" i="1" dirty="0">
+                    <a:solidFill>
+                      <a:sysClr val="windowText" lastClr="000000"/>
+                    </a:solidFill>
+                    <a:latin typeface="Cambria Math" panose="02040503050406030204" pitchFamily="18" charset="0"/>
+                  </a:rPr>
+                  <a:t>growth rate</a:t>
+                </a:r>
+              </a:p>
+            </p:txBody>
+          </p:sp>
+        </mc:Choice>
+        <mc:Fallback>
+          <p:sp>
+            <p:nvSpPr>
+              <p:cNvPr id="3" name="Rectangle 2">
+                <a:extLst>
+                  <a:ext uri="{FF2B5EF4-FFF2-40B4-BE49-F238E27FC236}">
+                    <a16:creationId xmlns:a16="http://schemas.microsoft.com/office/drawing/2014/main" id="{9CD260A3-6AE2-63B9-3FD2-BA31A0F6ECE9}"/>
+                  </a:ext>
+                </a:extLst>
+              </p:cNvPr>
+              <p:cNvSpPr>
+                <a:spLocks noRot="1" noChangeAspect="1" noMove="1" noResize="1" noEditPoints="1" noAdjustHandles="1" noChangeArrowheads="1" noChangeShapeType="1" noTextEdit="1"/>
+              </p:cNvSpPr>
+              <p:nvPr/>
+            </p:nvSpPr>
+            <p:spPr>
+              <a:xfrm>
+                <a:off x="3141597" y="1441054"/>
+                <a:ext cx="2287425" cy="400110"/>
+              </a:xfrm>
+              <a:prstGeom prst="rect">
+                <a:avLst/>
+              </a:prstGeom>
+              <a:blipFill>
+                <a:blip r:embed="rId4"/>
+                <a:stretch>
+                  <a:fillRect l="-1105" t="-9375" b="-28125"/>
+                </a:stretch>
+              </a:blipFill>
+            </p:spPr>
+            <p:txBody>
+              <a:bodyPr/>
+              <a:lstStyle/>
+              <a:p>
+                <a:r>
+                  <a:rPr lang="en-US">
+                    <a:noFill/>
+                  </a:rPr>
+                  <a:t> </a:t>
+                </a:r>
+              </a:p>
+            </p:txBody>
+          </p:sp>
+        </mc:Fallback>
+      </mc:AlternateContent>
+      <p:cxnSp>
+        <p:nvCxnSpPr>
+          <p:cNvPr id="11" name="Straight Arrow Connector 10">
+            <a:extLst>
+              <a:ext uri="{FF2B5EF4-FFF2-40B4-BE49-F238E27FC236}">
+                <a16:creationId xmlns:a16="http://schemas.microsoft.com/office/drawing/2014/main" id="{7672D75E-A5F8-65FB-708A-B5CCDE18A3AB}"/>
+              </a:ext>
+            </a:extLst>
+          </p:cNvPr>
+          <p:cNvCxnSpPr>
+            <a:cxnSpLocks/>
+          </p:cNvCxnSpPr>
+          <p:nvPr/>
+        </p:nvCxnSpPr>
+        <p:spPr>
+          <a:xfrm flipH="1" flipV="1">
+            <a:off x="6970984" y="5398936"/>
+            <a:ext cx="153297" cy="184666"/>
+          </a:xfrm>
+          <a:prstGeom prst="straightConnector1">
+            <a:avLst/>
+          </a:prstGeom>
+          <a:ln>
+            <a:solidFill>
+              <a:schemeClr val="tx1"/>
+            </a:solidFill>
+            <a:tailEnd type="triangle"/>
+          </a:ln>
+        </p:spPr>
+        <p:style>
+          <a:lnRef idx="3">
+            <a:schemeClr val="dk1"/>
+          </a:lnRef>
+          <a:fillRef idx="0">
+            <a:schemeClr val="dk1"/>
+          </a:fillRef>
+          <a:effectRef idx="2">
+            <a:schemeClr val="dk1"/>
+          </a:effectRef>
+          <a:fontRef idx="minor">
+            <a:schemeClr val="tx1"/>
+          </a:fontRef>
+        </p:style>
+      </p:cxnSp>
+      <mc:AlternateContent xmlns:mc="http://schemas.openxmlformats.org/markup-compatibility/2006">
+        <mc:Choice xmlns:a14="http://schemas.microsoft.com/office/drawing/2010/main" Requires="a14">
+          <p:sp>
+            <p:nvSpPr>
+              <p:cNvPr id="12" name="Rectangle 11">
+                <a:extLst>
+                  <a:ext uri="{FF2B5EF4-FFF2-40B4-BE49-F238E27FC236}">
+                    <a16:creationId xmlns:a16="http://schemas.microsoft.com/office/drawing/2014/main" id="{1884FF67-AAB5-B919-372F-DB5EABB3CEB6}"/>
+                  </a:ext>
+                </a:extLst>
+              </p:cNvPr>
+              <p:cNvSpPr/>
+              <p:nvPr/>
+            </p:nvSpPr>
+            <p:spPr>
+              <a:xfrm>
+                <a:off x="5778689" y="5473144"/>
+                <a:ext cx="1545512" cy="724524"/>
+              </a:xfrm>
+              <a:prstGeom prst="rect">
+                <a:avLst/>
+              </a:prstGeom>
+            </p:spPr>
+            <p:txBody>
+              <a:bodyPr wrap="square">
+                <a:spAutoFit/>
+              </a:bodyPr>
+              <a:lstStyle/>
+              <a:p>
+                <a14:m>
+                  <m:oMath xmlns:m="http://schemas.openxmlformats.org/officeDocument/2006/math">
+                    <m:r>
+                      <a:rPr lang="en-US" sz="2000" b="0" i="1" smtClean="0">
+                        <a:solidFill>
+                          <a:sysClr val="windowText" lastClr="000000"/>
+                        </a:solidFill>
+                        <a:latin typeface="Cambria Math" panose="02040503050406030204" pitchFamily="18" charset="0"/>
+                      </a:rPr>
+                      <m:t>𝑠𝑎𝑙𝑎𝑚𝑎𝑛𝑑𝑒𝑟</m:t>
+                    </m:r>
+                    <m:r>
+                      <a:rPr lang="en-US" sz="2000" b="0" i="1" smtClean="0">
+                        <a:solidFill>
+                          <a:sysClr val="windowText" lastClr="000000"/>
+                        </a:solidFill>
+                        <a:latin typeface="Cambria Math" panose="02040503050406030204" pitchFamily="18" charset="0"/>
+                      </a:rPr>
+                      <m:t> </m:t>
+                    </m:r>
+                  </m:oMath>
+                </a14:m>
+                <a:r>
+                  <a:rPr lang="en-US" sz="2000" b="0" i="1" dirty="0">
+                    <a:solidFill>
+                      <a:sysClr val="windowText" lastClr="000000"/>
+                    </a:solidFill>
+                    <a:latin typeface="Cambria Math" panose="02040503050406030204" pitchFamily="18" charset="0"/>
+                  </a:rPr>
+                  <a:t>growth rate</a:t>
+                </a:r>
+              </a:p>
+            </p:txBody>
+          </p:sp>
+        </mc:Choice>
+        <mc:Fallback>
+          <p:sp>
+            <p:nvSpPr>
+              <p:cNvPr id="12" name="Rectangle 11">
+                <a:extLst>
+                  <a:ext uri="{FF2B5EF4-FFF2-40B4-BE49-F238E27FC236}">
+                    <a16:creationId xmlns:a16="http://schemas.microsoft.com/office/drawing/2014/main" id="{1884FF67-AAB5-B919-372F-DB5EABB3CEB6}"/>
+                  </a:ext>
+                </a:extLst>
+              </p:cNvPr>
+              <p:cNvSpPr>
+                <a:spLocks noRot="1" noChangeAspect="1" noMove="1" noResize="1" noEditPoints="1" noAdjustHandles="1" noChangeArrowheads="1" noChangeShapeType="1" noTextEdit="1"/>
+              </p:cNvSpPr>
+              <p:nvPr/>
+            </p:nvSpPr>
+            <p:spPr>
+              <a:xfrm>
+                <a:off x="5778689" y="5473144"/>
+                <a:ext cx="1545512" cy="724524"/>
+              </a:xfrm>
+              <a:prstGeom prst="rect">
+                <a:avLst/>
+              </a:prstGeom>
+              <a:blipFill>
+                <a:blip r:embed="rId5"/>
+                <a:stretch>
+                  <a:fillRect l="-4918" r="-7377" b="-8621"/>
+                </a:stretch>
+              </a:blipFill>
+            </p:spPr>
+            <p:txBody>
+              <a:bodyPr/>
+              <a:lstStyle/>
+              <a:p>
+                <a:r>
+                  <a:rPr lang="en-US">
+                    <a:noFill/>
+                  </a:rPr>
+                  <a:t> </a:t>
+                </a:r>
+              </a:p>
+            </p:txBody>
+          </p:sp>
+        </mc:Fallback>
+      </mc:AlternateContent>
     </p:spTree>
     <p:extLst>
       <p:ext uri="{BB962C8B-B14F-4D97-AF65-F5344CB8AC3E}">
